--- a/scripts/downsample_liver_v_femur_062522update.pptx
+++ b/scripts/downsample_liver_v_femur_062522update.pptx
@@ -16,6 +16,7 @@
     <p:sldId id="265" r:id="rId10"/>
     <p:sldId id="276" r:id="rId11"/>
     <p:sldId id="275" r:id="rId12"/>
+    <p:sldId id="277" r:id="rId13"/>
   </p:sldIdLst>
   <p:sldSz cx="12192000" cy="6858000"/>
   <p:notesSz cx="6858000" cy="9144000"/>
@@ -3706,6 +3707,168 @@
 </p:sld>
 </file>
 
+<file path=ppt/slides/slide12.xml><?xml version="1.0" encoding="utf-8"?>
+<p:sld xmlns:a="http://schemas.openxmlformats.org/drawingml/2006/main" xmlns:r="http://schemas.openxmlformats.org/officeDocument/2006/relationships" xmlns:p="http://schemas.openxmlformats.org/presentationml/2006/main">
+  <p:cSld>
+    <p:spTree>
+      <p:nvGrpSpPr>
+        <p:cNvPr id="1" name=""/>
+        <p:cNvGrpSpPr/>
+        <p:nvPr/>
+      </p:nvGrpSpPr>
+      <p:grpSpPr>
+        <a:xfrm>
+          <a:off x="0" y="0"/>
+          <a:ext cx="0" cy="0"/>
+          <a:chOff x="0" y="0"/>
+          <a:chExt cx="0" cy="0"/>
+        </a:xfrm>
+      </p:grpSpPr>
+      <p:sp>
+        <p:nvSpPr>
+          <p:cNvPr id="2" name="Title 1">
+            <a:extLst>
+              <a:ext uri="{FF2B5EF4-FFF2-40B4-BE49-F238E27FC236}">
+                <a16:creationId xmlns:a16="http://schemas.microsoft.com/office/drawing/2014/main" id="{5905DCC9-02FC-39CB-90CA-F787E94FCBF5}"/>
+              </a:ext>
+            </a:extLst>
+          </p:cNvPr>
+          <p:cNvSpPr>
+            <a:spLocks noGrp="1"/>
+          </p:cNvSpPr>
+          <p:nvPr>
+            <p:ph type="title"/>
+          </p:nvPr>
+        </p:nvSpPr>
+        <p:spPr/>
+        <p:txBody>
+          <a:bodyPr/>
+          <a:lstStyle/>
+          <a:p>
+            <a:r>
+              <a:rPr lang="en-US" dirty="0"/>
+              <a:t>Cell cycle analysis</a:t>
+            </a:r>
+          </a:p>
+        </p:txBody>
+      </p:sp>
+      <p:pic>
+        <p:nvPicPr>
+          <p:cNvPr id="5" name="Picture 4">
+            <a:extLst>
+              <a:ext uri="{FF2B5EF4-FFF2-40B4-BE49-F238E27FC236}">
+                <a16:creationId xmlns:a16="http://schemas.microsoft.com/office/drawing/2014/main" id="{DE6A53EF-7F0B-C2F4-1014-33D440F184BA}"/>
+              </a:ext>
+            </a:extLst>
+          </p:cNvPr>
+          <p:cNvPicPr>
+            <a:picLocks noChangeAspect="1"/>
+          </p:cNvPicPr>
+          <p:nvPr/>
+        </p:nvPicPr>
+        <p:blipFill>
+          <a:blip r:embed="rId2"/>
+          <a:stretch>
+            <a:fillRect/>
+          </a:stretch>
+        </p:blipFill>
+        <p:spPr>
+          <a:xfrm>
+            <a:off x="2133780" y="4232688"/>
+            <a:ext cx="7637765" cy="1392859"/>
+          </a:xfrm>
+          <a:prstGeom prst="rect">
+            <a:avLst/>
+          </a:prstGeom>
+        </p:spPr>
+      </p:pic>
+      <p:sp>
+        <p:nvSpPr>
+          <p:cNvPr id="7" name="TextBox 6">
+            <a:extLst>
+              <a:ext uri="{FF2B5EF4-FFF2-40B4-BE49-F238E27FC236}">
+                <a16:creationId xmlns:a16="http://schemas.microsoft.com/office/drawing/2014/main" id="{835592DB-EE73-A118-3D1E-2ECD4C445CA1}"/>
+              </a:ext>
+            </a:extLst>
+          </p:cNvPr>
+          <p:cNvSpPr txBox="1"/>
+          <p:nvPr/>
+        </p:nvSpPr>
+        <p:spPr>
+          <a:xfrm>
+            <a:off x="838200" y="1453405"/>
+            <a:ext cx="9817431" cy="2308324"/>
+          </a:xfrm>
+          <a:prstGeom prst="rect">
+            <a:avLst/>
+          </a:prstGeom>
+          <a:noFill/>
+        </p:spPr>
+        <p:txBody>
+          <a:bodyPr wrap="none" rtlCol="0">
+            <a:spAutoFit/>
+          </a:bodyPr>
+          <a:lstStyle/>
+          <a:p>
+            <a:r>
+              <a:rPr lang="en-US" dirty="0"/>
+              <a:t>Methods: </a:t>
+            </a:r>
+          </a:p>
+          <a:p>
+            <a:r>
+              <a:rPr lang="en-US" dirty="0"/>
+              <a:t>Linear probability model assessing the probability of cell cycle in G2 or S phase (not in G1)</a:t>
+            </a:r>
+          </a:p>
+          <a:p>
+            <a:r>
+              <a:rPr lang="en-US" dirty="0"/>
+              <a:t>Jointly model the effect of T21, environment (Liver v Femur), and HSC/MPP vs Cycling HSC/MPP cluster</a:t>
+            </a:r>
+          </a:p>
+          <a:p>
+            <a:endParaRPr lang="en-US" dirty="0"/>
+          </a:p>
+          <a:p>
+            <a:r>
+              <a:rPr lang="en-US" dirty="0"/>
+              <a:t>Results:</a:t>
+            </a:r>
+          </a:p>
+          <a:p>
+            <a:r>
+              <a:rPr lang="en-US" dirty="0"/>
+              <a:t>8.0% increase in T21 cells compared to healthy</a:t>
+            </a:r>
+          </a:p>
+          <a:p>
+            <a:r>
+              <a:rPr lang="en-US" dirty="0"/>
+              <a:t>2.9% increase in Liver compared to Femur</a:t>
+            </a:r>
+          </a:p>
+          <a:p>
+            <a:r>
+              <a:rPr lang="en-US" dirty="0"/>
+              <a:t>69.3% increase in cycling HSCs vs HSCs</a:t>
+            </a:r>
+          </a:p>
+        </p:txBody>
+      </p:sp>
+    </p:spTree>
+    <p:extLst>
+      <p:ext uri="{BB962C8B-B14F-4D97-AF65-F5344CB8AC3E}">
+        <p14:creationId xmlns:p14="http://schemas.microsoft.com/office/powerpoint/2010/main" val="970405275"/>
+      </p:ext>
+    </p:extLst>
+  </p:cSld>
+  <p:clrMapOvr>
+    <a:masterClrMapping/>
+  </p:clrMapOvr>
+</p:sld>
+</file>
+
 <file path=ppt/slides/slide2.xml><?xml version="1.0" encoding="utf-8"?>
 <p:sld xmlns:a="http://schemas.openxmlformats.org/drawingml/2006/main" xmlns:r="http://schemas.openxmlformats.org/officeDocument/2006/relationships" xmlns:p="http://schemas.openxmlformats.org/presentationml/2006/main">
   <p:cSld>
